--- a/Figures.pptx
+++ b/Figures.pptx
@@ -106,6 +106,11 @@
       </a:defRPr>
     </a:lvl9pPr>
   </p:defaultTextStyle>
+  <p:extLst>
+    <p:ext uri="{EFAFB233-063F-42B5-8137-9DF3F51BA10A}">
+      <p15:sldGuideLst xmlns:p15="http://schemas.microsoft.com/office/powerpoint/2012/main"/>
+    </p:ext>
+  </p:extLst>
 </p:presentation>
 </file>
 
@@ -122,12 +127,12 @@
   <pc:docChgLst>
     <pc:chgData name="Pawel Mieszczanek" userId="f17394f005780f93" providerId="LiveId" clId="{56138A76-3D89-4D6E-8AA2-64697B987B94}"/>
     <pc:docChg chg="undo custSel addSld modSld">
-      <pc:chgData name="Pawel Mieszczanek" userId="f17394f005780f93" providerId="LiveId" clId="{56138A76-3D89-4D6E-8AA2-64697B987B94}" dt="2023-03-12T07:32:16.333" v="1084" actId="680"/>
+      <pc:chgData name="Pawel Mieszczanek" userId="f17394f005780f93" providerId="LiveId" clId="{56138A76-3D89-4D6E-8AA2-64697B987B94}" dt="2023-03-12T07:40:54.277" v="1123" actId="14100"/>
       <pc:docMkLst>
         <pc:docMk/>
       </pc:docMkLst>
       <pc:sldChg chg="addSp delSp modSp new mod">
-        <pc:chgData name="Pawel Mieszczanek" userId="f17394f005780f93" providerId="LiveId" clId="{56138A76-3D89-4D6E-8AA2-64697B987B94}" dt="2023-03-12T07:31:52.595" v="1083" actId="14100"/>
+        <pc:chgData name="Pawel Mieszczanek" userId="f17394f005780f93" providerId="LiveId" clId="{56138A76-3D89-4D6E-8AA2-64697B987B94}" dt="2023-03-12T07:40:54.277" v="1123" actId="14100"/>
         <pc:sldMkLst>
           <pc:docMk/>
           <pc:sldMk cId="3972717760" sldId="257"/>
@@ -325,7 +330,7 @@
           </ac:spMkLst>
         </pc:spChg>
         <pc:spChg chg="add mod">
-          <ac:chgData name="Pawel Mieszczanek" userId="f17394f005780f93" providerId="LiveId" clId="{56138A76-3D89-4D6E-8AA2-64697B987B94}" dt="2023-03-12T07:12:25.054" v="678" actId="1076"/>
+          <ac:chgData name="Pawel Mieszczanek" userId="f17394f005780f93" providerId="LiveId" clId="{56138A76-3D89-4D6E-8AA2-64697B987B94}" dt="2023-03-12T07:40:52.138" v="1122" actId="14100"/>
           <ac:spMkLst>
             <pc:docMk/>
             <pc:sldMk cId="3972717760" sldId="257"/>
@@ -333,7 +338,7 @@
           </ac:spMkLst>
         </pc:spChg>
         <pc:spChg chg="add mod">
-          <ac:chgData name="Pawel Mieszczanek" userId="f17394f005780f93" providerId="LiveId" clId="{56138A76-3D89-4D6E-8AA2-64697B987B94}" dt="2023-03-12T07:12:25.054" v="678" actId="1076"/>
+          <ac:chgData name="Pawel Mieszczanek" userId="f17394f005780f93" providerId="LiveId" clId="{56138A76-3D89-4D6E-8AA2-64697B987B94}" dt="2023-03-12T07:40:37.558" v="1106" actId="14100"/>
           <ac:spMkLst>
             <pc:docMk/>
             <pc:sldMk cId="3972717760" sldId="257"/>
@@ -581,7 +586,7 @@
           </ac:cxnSpMkLst>
         </pc:cxnChg>
         <pc:cxnChg chg="add mod">
-          <ac:chgData name="Pawel Mieszczanek" userId="f17394f005780f93" providerId="LiveId" clId="{56138A76-3D89-4D6E-8AA2-64697B987B94}" dt="2023-03-12T07:14:01.040" v="727" actId="208"/>
+          <ac:chgData name="Pawel Mieszczanek" userId="f17394f005780f93" providerId="LiveId" clId="{56138A76-3D89-4D6E-8AA2-64697B987B94}" dt="2023-03-12T07:40:40.369" v="1109" actId="14100"/>
           <ac:cxnSpMkLst>
             <pc:docMk/>
             <pc:sldMk cId="3972717760" sldId="257"/>
@@ -605,7 +610,7 @@
           </ac:cxnSpMkLst>
         </pc:cxnChg>
         <pc:cxnChg chg="add mod">
-          <ac:chgData name="Pawel Mieszczanek" userId="f17394f005780f93" providerId="LiveId" clId="{56138A76-3D89-4D6E-8AA2-64697B987B94}" dt="2023-03-12T07:14:08.009" v="728" actId="208"/>
+          <ac:chgData name="Pawel Mieszczanek" userId="f17394f005780f93" providerId="LiveId" clId="{56138A76-3D89-4D6E-8AA2-64697B987B94}" dt="2023-03-12T07:40:54.277" v="1123" actId="14100"/>
           <ac:cxnSpMkLst>
             <pc:docMk/>
             <pc:sldMk cId="3972717760" sldId="257"/>
@@ -5608,7 +5613,7 @@
         <p:spPr>
           <a:xfrm>
             <a:off x="1424274" y="3031992"/>
-            <a:ext cx="562783" cy="369332"/>
+            <a:ext cx="1356000" cy="369332"/>
           </a:xfrm>
           <a:prstGeom prst="rect">
             <a:avLst/>
@@ -5623,7 +5628,7 @@
           <a:p>
             <a:r>
               <a:rPr lang="en-AU" dirty="0"/>
-              <a:t>SDA</a:t>
+              <a:t>SDA (Pin 20)</a:t>
             </a:r>
           </a:p>
         </p:txBody>
@@ -5643,7 +5648,7 @@
         <p:spPr>
           <a:xfrm>
             <a:off x="1424274" y="2760136"/>
-            <a:ext cx="511679" cy="369332"/>
+            <a:ext cx="1445571" cy="369332"/>
           </a:xfrm>
           <a:prstGeom prst="rect">
             <a:avLst/>
@@ -5658,7 +5663,7 @@
           <a:p>
             <a:r>
               <a:rPr lang="en-AU" dirty="0"/>
-              <a:t>SCL</a:t>
+              <a:t>SCL (Pin 21) </a:t>
             </a:r>
           </a:p>
         </p:txBody>
@@ -5793,8 +5798,8 @@
         </p:nvCxnSpPr>
         <p:spPr>
           <a:xfrm flipH="1">
-            <a:off x="1990498" y="2944802"/>
-            <a:ext cx="4493135" cy="0"/>
+            <a:off x="2647950" y="2944802"/>
+            <a:ext cx="3835683" cy="0"/>
           </a:xfrm>
           <a:prstGeom prst="line">
             <a:avLst/>
@@ -5918,13 +5923,14 @@
           </p:cNvPr>
           <p:cNvCxnSpPr>
             <a:cxnSpLocks/>
+            <a:endCxn id="62" idx="3"/>
           </p:cNvCxnSpPr>
           <p:nvPr/>
         </p:nvCxnSpPr>
         <p:spPr>
           <a:xfrm flipH="1">
-            <a:off x="1983247" y="3216658"/>
-            <a:ext cx="4328653" cy="0"/>
+            <a:off x="2780274" y="3216658"/>
+            <a:ext cx="3531626" cy="0"/>
           </a:xfrm>
           <a:prstGeom prst="line">
             <a:avLst/>
